--- a/01_FoundationProjects/09_Car-3_MPU6050_Accelerometer_Caliberation/09_Car-3_MPU6050_Accelerometer_Caliberation.pptx
+++ b/01_FoundationProjects/09_Car-3_MPU6050_Accelerometer_Caliberation/09_Car-3_MPU6050_Accelerometer_Caliberation.pptx
@@ -150,7 +150,7 @@
       </p:grpSpPr>
       <p:sp>
         <p:nvSpPr>
-          <p:cNvPr id="154129143" name="Header Placeholder 1"/>
+          <p:cNvPr id="1576667177" name="Header Placeholder 1"/>
           <p:cNvSpPr>
             <a:spLocks noGrp="1"/>
           </p:cNvSpPr>
@@ -184,7 +184,7 @@
       </p:sp>
       <p:sp>
         <p:nvSpPr>
-          <p:cNvPr id="1918446354" name="Date Placeholder 2"/>
+          <p:cNvPr id="1552502688" name="Date Placeholder 2"/>
           <p:cNvSpPr>
             <a:spLocks noGrp="1"/>
           </p:cNvSpPr>
@@ -218,7 +218,7 @@
       </p:sp>
       <p:sp>
         <p:nvSpPr>
-          <p:cNvPr id="123865430" name="Date Placeholder 2"/>
+          <p:cNvPr id="710236472" name="Date Placeholder 2"/>
           <p:cNvSpPr>
             <a:spLocks noGrp="1"/>
           </p:cNvSpPr>
@@ -252,7 +252,7 @@
       </p:sp>
       <p:sp>
         <p:nvSpPr>
-          <p:cNvPr id="295954694" name="Notes Placeholder 4"/>
+          <p:cNvPr id="989658100" name="Notes Placeholder 4"/>
           <p:cNvSpPr>
             <a:spLocks noGrp="1"/>
           </p:cNvSpPr>
@@ -282,7 +282,7 @@
       </p:sp>
       <p:sp>
         <p:nvSpPr>
-          <p:cNvPr id="1474118672" name="Footer Placeholder 5"/>
+          <p:cNvPr id="1901200132" name="Footer Placeholder 5"/>
           <p:cNvSpPr>
             <a:spLocks noGrp="1"/>
           </p:cNvSpPr>
@@ -316,7 +316,7 @@
       </p:sp>
       <p:sp>
         <p:nvSpPr>
-          <p:cNvPr id="869140345" name="Slide Number Placeholder 6"/>
+          <p:cNvPr id="1119500120" name="Slide Number Placeholder 6"/>
           <p:cNvSpPr>
             <a:spLocks noGrp="1"/>
           </p:cNvSpPr>
@@ -465,7 +465,7 @@
       </p:grpSpPr>
       <p:sp>
         <p:nvSpPr>
-          <p:cNvPr id="600876060" name="Slide Image Placeholder 1"/>
+          <p:cNvPr id="509343566" name="Slide Image Placeholder 1"/>
           <p:cNvSpPr>
             <a:spLocks noChangeAspect="1" noGrp="1" noRot="1"/>
           </p:cNvSpPr>
@@ -477,7 +477,7 @@
       </p:sp>
       <p:sp>
         <p:nvSpPr>
-          <p:cNvPr id="2056825819" name="Notes Placeholder 2"/>
+          <p:cNvPr id="1336782421" name="Notes Placeholder 2"/>
           <p:cNvSpPr>
             <a:spLocks noGrp="1"/>
           </p:cNvSpPr>
@@ -499,7 +499,7 @@
       </p:sp>
       <p:sp>
         <p:nvSpPr>
-          <p:cNvPr id="711377047" name="Slide Number Placeholder 3"/>
+          <p:cNvPr id="1462976167" name="Slide Number Placeholder 3"/>
           <p:cNvSpPr>
             <a:spLocks noGrp="1"/>
           </p:cNvSpPr>
@@ -547,7 +547,7 @@
       </p:grpSpPr>
       <p:sp>
         <p:nvSpPr>
-          <p:cNvPr id="1218678350" name="Slide Image Placeholder 1"/>
+          <p:cNvPr id="1694279470" name="Slide Image Placeholder 1"/>
           <p:cNvSpPr>
             <a:spLocks noChangeAspect="1" noGrp="1" noRot="1"/>
           </p:cNvSpPr>
@@ -559,7 +559,7 @@
       </p:sp>
       <p:sp>
         <p:nvSpPr>
-          <p:cNvPr id="2024646347" name="Notes Placeholder 2"/>
+          <p:cNvPr id="60764822" name="Notes Placeholder 2"/>
           <p:cNvSpPr>
             <a:spLocks noGrp="1"/>
           </p:cNvSpPr>
@@ -581,7 +581,7 @@
       </p:sp>
       <p:sp>
         <p:nvSpPr>
-          <p:cNvPr id="952119025" name="Slide Number Placeholder 3"/>
+          <p:cNvPr id="1523262520" name="Slide Number Placeholder 3"/>
           <p:cNvSpPr>
             <a:spLocks noGrp="1"/>
           </p:cNvSpPr>
@@ -629,7 +629,7 @@
       </p:grpSpPr>
       <p:sp>
         <p:nvSpPr>
-          <p:cNvPr id="8723177" name="Slide Image Placeholder 1"/>
+          <p:cNvPr id="1539489594" name="Slide Image Placeholder 1"/>
           <p:cNvSpPr>
             <a:spLocks noChangeAspect="1" noGrp="1" noRot="1"/>
           </p:cNvSpPr>
@@ -641,7 +641,7 @@
       </p:sp>
       <p:sp>
         <p:nvSpPr>
-          <p:cNvPr id="1606067367" name="Notes Placeholder 2"/>
+          <p:cNvPr id="1394022241" name="Notes Placeholder 2"/>
           <p:cNvSpPr>
             <a:spLocks noGrp="1"/>
           </p:cNvSpPr>
@@ -663,7 +663,7 @@
       </p:sp>
       <p:sp>
         <p:nvSpPr>
-          <p:cNvPr id="665340148" name="Slide Number Placeholder 3"/>
+          <p:cNvPr id="2043123743" name="Slide Number Placeholder 3"/>
           <p:cNvSpPr>
             <a:spLocks noGrp="1"/>
           </p:cNvSpPr>
@@ -711,7 +711,7 @@
       </p:grpSpPr>
       <p:sp>
         <p:nvSpPr>
-          <p:cNvPr id="302127352" name="Slide Image Placeholder 1"/>
+          <p:cNvPr id="722274340" name="Slide Image Placeholder 1"/>
           <p:cNvSpPr>
             <a:spLocks noChangeAspect="1" noGrp="1" noRot="1"/>
           </p:cNvSpPr>
@@ -723,7 +723,7 @@
       </p:sp>
       <p:sp>
         <p:nvSpPr>
-          <p:cNvPr id="418304770" name="Notes Placeholder 2"/>
+          <p:cNvPr id="2043893228" name="Notes Placeholder 2"/>
           <p:cNvSpPr>
             <a:spLocks noGrp="1"/>
           </p:cNvSpPr>
@@ -745,7 +745,7 @@
       </p:sp>
       <p:sp>
         <p:nvSpPr>
-          <p:cNvPr id="1714144975" name="Slide Number Placeholder 3"/>
+          <p:cNvPr id="372476743" name="Slide Number Placeholder 3"/>
           <p:cNvSpPr>
             <a:spLocks noGrp="1"/>
           </p:cNvSpPr>
@@ -793,7 +793,7 @@
       </p:grpSpPr>
       <p:sp>
         <p:nvSpPr>
-          <p:cNvPr id="1917637445" name="Slide Image Placeholder 1"/>
+          <p:cNvPr id="2117307172" name="Slide Image Placeholder 1"/>
           <p:cNvSpPr>
             <a:spLocks noChangeAspect="1" noGrp="1" noRot="1"/>
           </p:cNvSpPr>
@@ -805,7 +805,7 @@
       </p:sp>
       <p:sp>
         <p:nvSpPr>
-          <p:cNvPr id="850434284" name="Notes Placeholder 2"/>
+          <p:cNvPr id="2009138232" name="Notes Placeholder 2"/>
           <p:cNvSpPr>
             <a:spLocks noGrp="1"/>
           </p:cNvSpPr>
@@ -827,7 +827,7 @@
       </p:sp>
       <p:sp>
         <p:nvSpPr>
-          <p:cNvPr id="1053447877" name="Slide Number Placeholder 3"/>
+          <p:cNvPr id="899934735" name="Slide Number Placeholder 3"/>
           <p:cNvSpPr>
             <a:spLocks noGrp="1"/>
           </p:cNvSpPr>
@@ -875,7 +875,7 @@
       </p:grpSpPr>
       <p:sp>
         <p:nvSpPr>
-          <p:cNvPr id="1565959141" name="Slide Image Placeholder 1"/>
+          <p:cNvPr id="859977601" name="Slide Image Placeholder 1"/>
           <p:cNvSpPr>
             <a:spLocks noChangeAspect="1" noGrp="1" noRot="1"/>
           </p:cNvSpPr>
@@ -887,7 +887,7 @@
       </p:sp>
       <p:sp>
         <p:nvSpPr>
-          <p:cNvPr id="775357239" name="Notes Placeholder 2"/>
+          <p:cNvPr id="1873788325" name="Notes Placeholder 2"/>
           <p:cNvSpPr>
             <a:spLocks noGrp="1"/>
           </p:cNvSpPr>
@@ -909,7 +909,7 @@
       </p:sp>
       <p:sp>
         <p:nvSpPr>
-          <p:cNvPr id="1222923661" name="Slide Number Placeholder 3"/>
+          <p:cNvPr id="1919898149" name="Slide Number Placeholder 3"/>
           <p:cNvSpPr>
             <a:spLocks noGrp="1"/>
           </p:cNvSpPr>
@@ -957,7 +957,7 @@
       </p:grpSpPr>
       <p:sp>
         <p:nvSpPr>
-          <p:cNvPr id="1582814524" name="Slide Image Placeholder 1"/>
+          <p:cNvPr id="158838824" name="Slide Image Placeholder 1"/>
           <p:cNvSpPr>
             <a:spLocks noChangeAspect="1" noGrp="1" noRot="1"/>
           </p:cNvSpPr>
@@ -969,7 +969,7 @@
       </p:sp>
       <p:sp>
         <p:nvSpPr>
-          <p:cNvPr id="234964117" name="Notes Placeholder 2"/>
+          <p:cNvPr id="724775535" name="Notes Placeholder 2"/>
           <p:cNvSpPr>
             <a:spLocks noGrp="1"/>
           </p:cNvSpPr>
@@ -991,7 +991,7 @@
       </p:sp>
       <p:sp>
         <p:nvSpPr>
-          <p:cNvPr id="1510282816" name="Slide Number Placeholder 3"/>
+          <p:cNvPr id="326727771" name="Slide Number Placeholder 3"/>
           <p:cNvSpPr>
             <a:spLocks noGrp="1"/>
           </p:cNvSpPr>
@@ -1039,7 +1039,7 @@
       </p:grpSpPr>
       <p:sp>
         <p:nvSpPr>
-          <p:cNvPr id="1959814676" name="Slide Image Placeholder 1"/>
+          <p:cNvPr id="1000519192" name="Slide Image Placeholder 1"/>
           <p:cNvSpPr>
             <a:spLocks noChangeAspect="1" noGrp="1" noRot="1"/>
           </p:cNvSpPr>
@@ -1051,7 +1051,7 @@
       </p:sp>
       <p:sp>
         <p:nvSpPr>
-          <p:cNvPr id="445072841" name="Notes Placeholder 2"/>
+          <p:cNvPr id="1486123151" name="Notes Placeholder 2"/>
           <p:cNvSpPr>
             <a:spLocks noGrp="1"/>
           </p:cNvSpPr>
@@ -1073,7 +1073,7 @@
       </p:sp>
       <p:sp>
         <p:nvSpPr>
-          <p:cNvPr id="2051881150" name="Slide Number Placeholder 3"/>
+          <p:cNvPr id="425051730" name="Slide Number Placeholder 3"/>
           <p:cNvSpPr>
             <a:spLocks noGrp="1"/>
           </p:cNvSpPr>
@@ -1121,7 +1121,7 @@
       </p:grpSpPr>
       <p:sp>
         <p:nvSpPr>
-          <p:cNvPr id="1577336208" name="Slide Image Placeholder 1"/>
+          <p:cNvPr id="241609530" name="Slide Image Placeholder 1"/>
           <p:cNvSpPr>
             <a:spLocks noChangeAspect="1" noGrp="1" noRot="1"/>
           </p:cNvSpPr>
@@ -1133,7 +1133,7 @@
       </p:sp>
       <p:sp>
         <p:nvSpPr>
-          <p:cNvPr id="1410397723" name="Notes Placeholder 2"/>
+          <p:cNvPr id="1328720414" name="Notes Placeholder 2"/>
           <p:cNvSpPr>
             <a:spLocks noGrp="1"/>
           </p:cNvSpPr>
@@ -1155,7 +1155,7 @@
       </p:sp>
       <p:sp>
         <p:nvSpPr>
-          <p:cNvPr id="879595009" name="Slide Number Placeholder 3"/>
+          <p:cNvPr id="981563564" name="Slide Number Placeholder 3"/>
           <p:cNvSpPr>
             <a:spLocks noGrp="1"/>
           </p:cNvSpPr>
@@ -1203,7 +1203,7 @@
       </p:grpSpPr>
       <p:sp>
         <p:nvSpPr>
-          <p:cNvPr id="577596366" name="Slide Image Placeholder 1"/>
+          <p:cNvPr id="98825654" name="Slide Image Placeholder 1"/>
           <p:cNvSpPr>
             <a:spLocks noChangeAspect="1" noGrp="1" noRot="1"/>
           </p:cNvSpPr>
@@ -1215,7 +1215,7 @@
       </p:sp>
       <p:sp>
         <p:nvSpPr>
-          <p:cNvPr id="245857591" name="Notes Placeholder 2"/>
+          <p:cNvPr id="1478795437" name="Notes Placeholder 2"/>
           <p:cNvSpPr>
             <a:spLocks noGrp="1"/>
           </p:cNvSpPr>
@@ -1237,7 +1237,7 @@
       </p:sp>
       <p:sp>
         <p:nvSpPr>
-          <p:cNvPr id="487057574" name="Slide Number Placeholder 3"/>
+          <p:cNvPr id="948183584" name="Slide Number Placeholder 3"/>
           <p:cNvSpPr>
             <a:spLocks noGrp="1"/>
           </p:cNvSpPr>
@@ -1285,7 +1285,7 @@
       </p:grpSpPr>
       <p:sp>
         <p:nvSpPr>
-          <p:cNvPr id="934158228" name="Slide Image Placeholder 1"/>
+          <p:cNvPr id="1934088235" name="Slide Image Placeholder 1"/>
           <p:cNvSpPr>
             <a:spLocks noChangeAspect="1" noGrp="1" noRot="1"/>
           </p:cNvSpPr>
@@ -1297,7 +1297,7 @@
       </p:sp>
       <p:sp>
         <p:nvSpPr>
-          <p:cNvPr id="426358120" name="Notes Placeholder 2"/>
+          <p:cNvPr id="969923820" name="Notes Placeholder 2"/>
           <p:cNvSpPr>
             <a:spLocks noGrp="1"/>
           </p:cNvSpPr>
@@ -1319,7 +1319,7 @@
       </p:sp>
       <p:sp>
         <p:nvSpPr>
-          <p:cNvPr id="255453393" name="Slide Number Placeholder 3"/>
+          <p:cNvPr id="1414445802" name="Slide Number Placeholder 3"/>
           <p:cNvSpPr>
             <a:spLocks noGrp="1"/>
           </p:cNvSpPr>
@@ -1367,7 +1367,7 @@
       </p:grpSpPr>
       <p:sp>
         <p:nvSpPr>
-          <p:cNvPr id="1109624665" name="Slide Image Placeholder 1"/>
+          <p:cNvPr id="1940462284" name="Slide Image Placeholder 1"/>
           <p:cNvSpPr>
             <a:spLocks noChangeAspect="1" noGrp="1" noRot="1"/>
           </p:cNvSpPr>
@@ -1379,7 +1379,7 @@
       </p:sp>
       <p:sp>
         <p:nvSpPr>
-          <p:cNvPr id="1173900053" name="Notes Placeholder 2"/>
+          <p:cNvPr id="2047056011" name="Notes Placeholder 2"/>
           <p:cNvSpPr>
             <a:spLocks noGrp="1"/>
           </p:cNvSpPr>
@@ -1401,7 +1401,7 @@
       </p:sp>
       <p:sp>
         <p:nvSpPr>
-          <p:cNvPr id="52717479" name="Slide Number Placeholder 3"/>
+          <p:cNvPr id="617610601" name="Slide Number Placeholder 3"/>
           <p:cNvSpPr>
             <a:spLocks noGrp="1"/>
           </p:cNvSpPr>
@@ -1449,7 +1449,7 @@
       </p:grpSpPr>
       <p:sp>
         <p:nvSpPr>
-          <p:cNvPr id="1950906766" name="Slide Image Placeholder 1"/>
+          <p:cNvPr id="1964870586" name="Slide Image Placeholder 1"/>
           <p:cNvSpPr>
             <a:spLocks noChangeAspect="1" noGrp="1" noRot="1"/>
           </p:cNvSpPr>
@@ -1461,7 +1461,7 @@
       </p:sp>
       <p:sp>
         <p:nvSpPr>
-          <p:cNvPr id="552172589" name="Notes Placeholder 2"/>
+          <p:cNvPr id="457114968" name="Notes Placeholder 2"/>
           <p:cNvSpPr>
             <a:spLocks noGrp="1"/>
           </p:cNvSpPr>
@@ -1483,7 +1483,7 @@
       </p:sp>
       <p:sp>
         <p:nvSpPr>
-          <p:cNvPr id="2022075447" name="Slide Number Placeholder 3"/>
+          <p:cNvPr id="1016716170" name="Slide Number Placeholder 3"/>
           <p:cNvSpPr>
             <a:spLocks noGrp="1"/>
           </p:cNvSpPr>
@@ -1531,7 +1531,7 @@
       </p:grpSpPr>
       <p:sp>
         <p:nvSpPr>
-          <p:cNvPr id="415853953" name="Slide Image Placeholder 1"/>
+          <p:cNvPr id="1762039758" name="Slide Image Placeholder 1"/>
           <p:cNvSpPr>
             <a:spLocks noChangeAspect="1" noGrp="1" noRot="1"/>
           </p:cNvSpPr>
@@ -1543,7 +1543,7 @@
       </p:sp>
       <p:sp>
         <p:nvSpPr>
-          <p:cNvPr id="1391183078" name="Notes Placeholder 2"/>
+          <p:cNvPr id="691621788" name="Notes Placeholder 2"/>
           <p:cNvSpPr>
             <a:spLocks noGrp="1"/>
           </p:cNvSpPr>
@@ -1565,7 +1565,7 @@
       </p:sp>
       <p:sp>
         <p:nvSpPr>
-          <p:cNvPr id="1684680105" name="Slide Number Placeholder 3"/>
+          <p:cNvPr id="1706655932" name="Slide Number Placeholder 3"/>
           <p:cNvSpPr>
             <a:spLocks noGrp="1"/>
           </p:cNvSpPr>
@@ -1613,7 +1613,7 @@
       </p:grpSpPr>
       <p:sp>
         <p:nvSpPr>
-          <p:cNvPr id="2091372547" name="Slide Image Placeholder 1"/>
+          <p:cNvPr id="1375251200" name="Slide Image Placeholder 1"/>
           <p:cNvSpPr>
             <a:spLocks noChangeAspect="1" noGrp="1" noRot="1"/>
           </p:cNvSpPr>
@@ -1625,7 +1625,7 @@
       </p:sp>
       <p:sp>
         <p:nvSpPr>
-          <p:cNvPr id="1443995741" name="Notes Placeholder 2"/>
+          <p:cNvPr id="839214908" name="Notes Placeholder 2"/>
           <p:cNvSpPr>
             <a:spLocks noGrp="1"/>
           </p:cNvSpPr>
@@ -1647,7 +1647,7 @@
       </p:sp>
       <p:sp>
         <p:nvSpPr>
-          <p:cNvPr id="1513305882" name="Slide Number Placeholder 3"/>
+          <p:cNvPr id="1657887054" name="Slide Number Placeholder 3"/>
           <p:cNvSpPr>
             <a:spLocks noGrp="1"/>
           </p:cNvSpPr>
@@ -1695,7 +1695,7 @@
       </p:grpSpPr>
       <p:sp>
         <p:nvSpPr>
-          <p:cNvPr id="134625818" name="Slide Image Placeholder 1"/>
+          <p:cNvPr id="2108868222" name="Slide Image Placeholder 1"/>
           <p:cNvSpPr>
             <a:spLocks noChangeAspect="1" noGrp="1" noRot="1"/>
           </p:cNvSpPr>
@@ -1707,7 +1707,7 @@
       </p:sp>
       <p:sp>
         <p:nvSpPr>
-          <p:cNvPr id="902055286" name="Notes Placeholder 2"/>
+          <p:cNvPr id="1976738973" name="Notes Placeholder 2"/>
           <p:cNvSpPr>
             <a:spLocks noGrp="1"/>
           </p:cNvSpPr>
@@ -1729,7 +1729,7 @@
       </p:sp>
       <p:sp>
         <p:nvSpPr>
-          <p:cNvPr id="1467337097" name="Slide Number Placeholder 3"/>
+          <p:cNvPr id="924526638" name="Slide Number Placeholder 3"/>
           <p:cNvSpPr>
             <a:spLocks noGrp="1"/>
           </p:cNvSpPr>
@@ -1777,7 +1777,7 @@
       </p:grpSpPr>
       <p:sp>
         <p:nvSpPr>
-          <p:cNvPr id="1298833626" name="Slide Image Placeholder 1"/>
+          <p:cNvPr id="1605038259" name="Slide Image Placeholder 1"/>
           <p:cNvSpPr>
             <a:spLocks noChangeAspect="1" noGrp="1" noRot="1"/>
           </p:cNvSpPr>
@@ -1789,7 +1789,7 @@
       </p:sp>
       <p:sp>
         <p:nvSpPr>
-          <p:cNvPr id="1707146581" name="Notes Placeholder 2"/>
+          <p:cNvPr id="613792345" name="Notes Placeholder 2"/>
           <p:cNvSpPr>
             <a:spLocks noGrp="1"/>
           </p:cNvSpPr>
@@ -1811,7 +1811,7 @@
       </p:sp>
       <p:sp>
         <p:nvSpPr>
-          <p:cNvPr id="1863160699" name="Slide Number Placeholder 3"/>
+          <p:cNvPr id="134708854" name="Slide Number Placeholder 3"/>
           <p:cNvSpPr>
             <a:spLocks noGrp="1"/>
           </p:cNvSpPr>
@@ -1859,7 +1859,7 @@
       </p:grpSpPr>
       <p:sp>
         <p:nvSpPr>
-          <p:cNvPr id="1108271921" name="Title 1"/>
+          <p:cNvPr id="1444773880" name="Title 1"/>
           <p:cNvSpPr>
             <a:spLocks noGrp="1"/>
           </p:cNvSpPr>
@@ -1894,7 +1894,7 @@
       </p:sp>
       <p:sp>
         <p:nvSpPr>
-          <p:cNvPr id="368300472" name="Subtitle 2"/>
+          <p:cNvPr id="941271841" name="Subtitle 2"/>
           <p:cNvSpPr>
             <a:spLocks noGrp="1"/>
           </p:cNvSpPr>
@@ -1962,7 +1962,7 @@
       </p:sp>
       <p:sp>
         <p:nvSpPr>
-          <p:cNvPr id="422834491" name="Date Placeholder 3"/>
+          <p:cNvPr id="1423425349" name="Date Placeholder 3"/>
           <p:cNvSpPr>
             <a:spLocks noGrp="1"/>
           </p:cNvSpPr>
@@ -1988,7 +1988,7 @@
       </p:sp>
       <p:sp>
         <p:nvSpPr>
-          <p:cNvPr id="539158329" name="Footer Placeholder 4"/>
+          <p:cNvPr id="2041261462" name="Footer Placeholder 4"/>
           <p:cNvSpPr>
             <a:spLocks noGrp="1"/>
           </p:cNvSpPr>
@@ -2010,7 +2010,7 @@
       </p:sp>
       <p:sp>
         <p:nvSpPr>
-          <p:cNvPr id="247230929" name="Slide Number Placeholder 5"/>
+          <p:cNvPr id="1704226934" name="Slide Number Placeholder 5"/>
           <p:cNvSpPr>
             <a:spLocks noGrp="1"/>
           </p:cNvSpPr>
@@ -2061,7 +2061,7 @@
       </p:grpSpPr>
       <p:sp>
         <p:nvSpPr>
-          <p:cNvPr id="1529623186" name="Title 1"/>
+          <p:cNvPr id="326777712" name="Title 1"/>
           <p:cNvSpPr>
             <a:spLocks noGrp="1"/>
           </p:cNvSpPr>
@@ -2087,7 +2087,7 @@
       </p:sp>
       <p:sp>
         <p:nvSpPr>
-          <p:cNvPr id="440915908" name="Vertical Text Placeholder 2"/>
+          <p:cNvPr id="750510492" name="Vertical Text Placeholder 2"/>
           <p:cNvSpPr>
             <a:spLocks noGrp="1"/>
           </p:cNvSpPr>
@@ -2153,7 +2153,7 @@
       </p:sp>
       <p:sp>
         <p:nvSpPr>
-          <p:cNvPr id="46533363" name="Date Placeholder 3"/>
+          <p:cNvPr id="358061096" name="Date Placeholder 3"/>
           <p:cNvSpPr>
             <a:spLocks noGrp="1"/>
           </p:cNvSpPr>
@@ -2179,7 +2179,7 @@
       </p:sp>
       <p:sp>
         <p:nvSpPr>
-          <p:cNvPr id="1253403721" name="Footer Placeholder 4"/>
+          <p:cNvPr id="1486435122" name="Footer Placeholder 4"/>
           <p:cNvSpPr>
             <a:spLocks noGrp="1"/>
           </p:cNvSpPr>
@@ -2201,7 +2201,7 @@
       </p:sp>
       <p:sp>
         <p:nvSpPr>
-          <p:cNvPr id="2020945592" name="Slide Number Placeholder 5"/>
+          <p:cNvPr id="1397798374" name="Slide Number Placeholder 5"/>
           <p:cNvSpPr>
             <a:spLocks noGrp="1"/>
           </p:cNvSpPr>
@@ -2252,7 +2252,7 @@
       </p:grpSpPr>
       <p:sp>
         <p:nvSpPr>
-          <p:cNvPr id="594159806" name="Vertical Title 1"/>
+          <p:cNvPr id="926993298" name="Vertical Title 1"/>
           <p:cNvSpPr>
             <a:spLocks noGrp="1"/>
           </p:cNvSpPr>
@@ -2283,7 +2283,7 @@
       </p:sp>
       <p:sp>
         <p:nvSpPr>
-          <p:cNvPr id="200411959" name="Vertical Text Placeholder 2"/>
+          <p:cNvPr id="1357148725" name="Vertical Text Placeholder 2"/>
           <p:cNvSpPr>
             <a:spLocks noGrp="1"/>
           </p:cNvSpPr>
@@ -2354,7 +2354,7 @@
       </p:sp>
       <p:sp>
         <p:nvSpPr>
-          <p:cNvPr id="612111574" name="Date Placeholder 3"/>
+          <p:cNvPr id="1056613703" name="Date Placeholder 3"/>
           <p:cNvSpPr>
             <a:spLocks noGrp="1"/>
           </p:cNvSpPr>
@@ -2380,7 +2380,7 @@
       </p:sp>
       <p:sp>
         <p:nvSpPr>
-          <p:cNvPr id="1252086800" name="Footer Placeholder 4"/>
+          <p:cNvPr id="514863213" name="Footer Placeholder 4"/>
           <p:cNvSpPr>
             <a:spLocks noGrp="1"/>
           </p:cNvSpPr>
@@ -2402,7 +2402,7 @@
       </p:sp>
       <p:sp>
         <p:nvSpPr>
-          <p:cNvPr id="215970422" name="Slide Number Placeholder 5"/>
+          <p:cNvPr id="1703215790" name="Slide Number Placeholder 5"/>
           <p:cNvSpPr>
             <a:spLocks noGrp="1"/>
           </p:cNvSpPr>
@@ -2453,7 +2453,7 @@
       </p:grpSpPr>
       <p:sp>
         <p:nvSpPr>
-          <p:cNvPr id="1848452622" name="Title 1"/>
+          <p:cNvPr id="404469008" name="Title 1"/>
           <p:cNvSpPr>
             <a:spLocks noGrp="1"/>
           </p:cNvSpPr>
@@ -2479,7 +2479,7 @@
       </p:sp>
       <p:sp>
         <p:nvSpPr>
-          <p:cNvPr id="625437062" name="Content Placeholder 2"/>
+          <p:cNvPr id="1961013509" name="Content Placeholder 2"/>
           <p:cNvSpPr>
             <a:spLocks noGrp="1"/>
           </p:cNvSpPr>
@@ -2545,7 +2545,7 @@
       </p:sp>
       <p:sp>
         <p:nvSpPr>
-          <p:cNvPr id="480525491" name="Date Placeholder 3"/>
+          <p:cNvPr id="925906942" name="Date Placeholder 3"/>
           <p:cNvSpPr>
             <a:spLocks noGrp="1"/>
           </p:cNvSpPr>
@@ -2571,7 +2571,7 @@
       </p:sp>
       <p:sp>
         <p:nvSpPr>
-          <p:cNvPr id="299836448" name="Footer Placeholder 4"/>
+          <p:cNvPr id="1596276684" name="Footer Placeholder 4"/>
           <p:cNvSpPr>
             <a:spLocks noGrp="1"/>
           </p:cNvSpPr>
@@ -2593,7 +2593,7 @@
       </p:sp>
       <p:sp>
         <p:nvSpPr>
-          <p:cNvPr id="2097046828" name="Slide Number Placeholder 5"/>
+          <p:cNvPr id="1407131834" name="Slide Number Placeholder 5"/>
           <p:cNvSpPr>
             <a:spLocks noGrp="1"/>
           </p:cNvSpPr>
@@ -2644,7 +2644,7 @@
       </p:grpSpPr>
       <p:sp>
         <p:nvSpPr>
-          <p:cNvPr id="1064930694" name="Title 1"/>
+          <p:cNvPr id="517552183" name="Title 1"/>
           <p:cNvSpPr>
             <a:spLocks noGrp="1"/>
           </p:cNvSpPr>
@@ -2679,7 +2679,7 @@
       </p:sp>
       <p:sp>
         <p:nvSpPr>
-          <p:cNvPr id="858061507" name="Text Placeholder 2"/>
+          <p:cNvPr id="749649683" name="Text Placeholder 2"/>
           <p:cNvSpPr>
             <a:spLocks noGrp="1"/>
           </p:cNvSpPr>
@@ -2801,7 +2801,7 @@
       </p:sp>
       <p:sp>
         <p:nvSpPr>
-          <p:cNvPr id="691749259" name="Date Placeholder 3"/>
+          <p:cNvPr id="1229338864" name="Date Placeholder 3"/>
           <p:cNvSpPr>
             <a:spLocks noGrp="1"/>
           </p:cNvSpPr>
@@ -2827,7 +2827,7 @@
       </p:sp>
       <p:sp>
         <p:nvSpPr>
-          <p:cNvPr id="1153252108" name="Footer Placeholder 4"/>
+          <p:cNvPr id="1427619884" name="Footer Placeholder 4"/>
           <p:cNvSpPr>
             <a:spLocks noGrp="1"/>
           </p:cNvSpPr>
@@ -2849,7 +2849,7 @@
       </p:sp>
       <p:sp>
         <p:nvSpPr>
-          <p:cNvPr id="758631884" name="Slide Number Placeholder 5"/>
+          <p:cNvPr id="1584757825" name="Slide Number Placeholder 5"/>
           <p:cNvSpPr>
             <a:spLocks noGrp="1"/>
           </p:cNvSpPr>
@@ -2900,7 +2900,7 @@
       </p:grpSpPr>
       <p:sp>
         <p:nvSpPr>
-          <p:cNvPr id="971644256" name="Title 1"/>
+          <p:cNvPr id="1804218564" name="Title 1"/>
           <p:cNvSpPr>
             <a:spLocks noGrp="1"/>
           </p:cNvSpPr>
@@ -2926,7 +2926,7 @@
       </p:sp>
       <p:sp>
         <p:nvSpPr>
-          <p:cNvPr id="82840973" name="Content Placeholder 2"/>
+          <p:cNvPr id="1026383732" name="Content Placeholder 2"/>
           <p:cNvSpPr>
             <a:spLocks noGrp="1"/>
           </p:cNvSpPr>
@@ -2997,7 +2997,7 @@
       </p:sp>
       <p:sp>
         <p:nvSpPr>
-          <p:cNvPr id="1389899076" name="Content Placeholder 3"/>
+          <p:cNvPr id="602916849" name="Content Placeholder 3"/>
           <p:cNvSpPr>
             <a:spLocks noGrp="1"/>
           </p:cNvSpPr>
@@ -3068,7 +3068,7 @@
       </p:sp>
       <p:sp>
         <p:nvSpPr>
-          <p:cNvPr id="1616294783" name="Date Placeholder 4"/>
+          <p:cNvPr id="319297954" name="Date Placeholder 4"/>
           <p:cNvSpPr>
             <a:spLocks noGrp="1"/>
           </p:cNvSpPr>
@@ -3094,7 +3094,7 @@
       </p:sp>
       <p:sp>
         <p:nvSpPr>
-          <p:cNvPr id="670508770" name="Footer Placeholder 5"/>
+          <p:cNvPr id="50466645" name="Footer Placeholder 5"/>
           <p:cNvSpPr>
             <a:spLocks noGrp="1"/>
           </p:cNvSpPr>
@@ -3116,7 +3116,7 @@
       </p:sp>
       <p:sp>
         <p:nvSpPr>
-          <p:cNvPr id="2113599879" name="Slide Number Placeholder 6"/>
+          <p:cNvPr id="1124420925" name="Slide Number Placeholder 6"/>
           <p:cNvSpPr>
             <a:spLocks noGrp="1"/>
           </p:cNvSpPr>
@@ -3167,7 +3167,7 @@
       </p:grpSpPr>
       <p:sp>
         <p:nvSpPr>
-          <p:cNvPr id="772767663" name="Title 1"/>
+          <p:cNvPr id="1220247939" name="Title 1"/>
           <p:cNvSpPr>
             <a:spLocks noGrp="1"/>
           </p:cNvSpPr>
@@ -3198,7 +3198,7 @@
       </p:sp>
       <p:sp>
         <p:nvSpPr>
-          <p:cNvPr id="1312559001" name="Text Placeholder 2"/>
+          <p:cNvPr id="737360511" name="Text Placeholder 2"/>
           <p:cNvSpPr>
             <a:spLocks noGrp="1"/>
           </p:cNvSpPr>
@@ -3266,7 +3266,7 @@
       </p:sp>
       <p:sp>
         <p:nvSpPr>
-          <p:cNvPr id="71219877" name="Content Placeholder 3"/>
+          <p:cNvPr id="1013660726" name="Content Placeholder 3"/>
           <p:cNvSpPr>
             <a:spLocks noGrp="1"/>
           </p:cNvSpPr>
@@ -3337,7 +3337,7 @@
       </p:sp>
       <p:sp>
         <p:nvSpPr>
-          <p:cNvPr id="267447004" name="Text Placeholder 4"/>
+          <p:cNvPr id="844589625" name="Text Placeholder 4"/>
           <p:cNvSpPr>
             <a:spLocks noGrp="1"/>
           </p:cNvSpPr>
@@ -3405,7 +3405,7 @@
       </p:sp>
       <p:sp>
         <p:nvSpPr>
-          <p:cNvPr id="1299951512" name="Content Placeholder 5"/>
+          <p:cNvPr id="24232167" name="Content Placeholder 5"/>
           <p:cNvSpPr>
             <a:spLocks noGrp="1"/>
           </p:cNvSpPr>
@@ -3476,7 +3476,7 @@
       </p:sp>
       <p:sp>
         <p:nvSpPr>
-          <p:cNvPr id="1079590239" name="Date Placeholder 6"/>
+          <p:cNvPr id="592921443" name="Date Placeholder 6"/>
           <p:cNvSpPr>
             <a:spLocks noGrp="1"/>
           </p:cNvSpPr>
@@ -3502,7 +3502,7 @@
       </p:sp>
       <p:sp>
         <p:nvSpPr>
-          <p:cNvPr id="41783403" name="Footer Placeholder 7"/>
+          <p:cNvPr id="1385993731" name="Footer Placeholder 7"/>
           <p:cNvSpPr>
             <a:spLocks noGrp="1"/>
           </p:cNvSpPr>
@@ -3524,7 +3524,7 @@
       </p:sp>
       <p:sp>
         <p:nvSpPr>
-          <p:cNvPr id="1078756059" name="Slide Number Placeholder 8"/>
+          <p:cNvPr id="1064367078" name="Slide Number Placeholder 8"/>
           <p:cNvSpPr>
             <a:spLocks noGrp="1"/>
           </p:cNvSpPr>
@@ -3575,7 +3575,7 @@
       </p:grpSpPr>
       <p:sp>
         <p:nvSpPr>
-          <p:cNvPr id="804683691" name="Title 1"/>
+          <p:cNvPr id="1114792864" name="Title 1"/>
           <p:cNvSpPr>
             <a:spLocks noGrp="1"/>
           </p:cNvSpPr>
@@ -3601,7 +3601,7 @@
       </p:sp>
       <p:sp>
         <p:nvSpPr>
-          <p:cNvPr id="2130449033" name="Date Placeholder 2"/>
+          <p:cNvPr id="727035030" name="Date Placeholder 2"/>
           <p:cNvSpPr>
             <a:spLocks noGrp="1"/>
           </p:cNvSpPr>
@@ -3627,7 +3627,7 @@
       </p:sp>
       <p:sp>
         <p:nvSpPr>
-          <p:cNvPr id="246498584" name="Footer Placeholder 3"/>
+          <p:cNvPr id="85943934" name="Footer Placeholder 3"/>
           <p:cNvSpPr>
             <a:spLocks noGrp="1"/>
           </p:cNvSpPr>
@@ -3649,7 +3649,7 @@
       </p:sp>
       <p:sp>
         <p:nvSpPr>
-          <p:cNvPr id="2058544159" name="Slide Number Placeholder 4"/>
+          <p:cNvPr id="1795901128" name="Slide Number Placeholder 4"/>
           <p:cNvSpPr>
             <a:spLocks noGrp="1"/>
           </p:cNvSpPr>
@@ -3700,7 +3700,7 @@
       </p:grpSpPr>
       <p:sp>
         <p:nvSpPr>
-          <p:cNvPr id="576329960" name="Date Placeholder 1"/>
+          <p:cNvPr id="1864899061" name="Date Placeholder 1"/>
           <p:cNvSpPr>
             <a:spLocks noGrp="1"/>
           </p:cNvSpPr>
@@ -3726,7 +3726,7 @@
       </p:sp>
       <p:sp>
         <p:nvSpPr>
-          <p:cNvPr id="66696390" name="Footer Placeholder 2"/>
+          <p:cNvPr id="1057122942" name="Footer Placeholder 2"/>
           <p:cNvSpPr>
             <a:spLocks noGrp="1"/>
           </p:cNvSpPr>
@@ -3748,7 +3748,7 @@
       </p:sp>
       <p:sp>
         <p:nvSpPr>
-          <p:cNvPr id="1233343949" name="Slide Number Placeholder 3"/>
+          <p:cNvPr id="1205601374" name="Slide Number Placeholder 3"/>
           <p:cNvSpPr>
             <a:spLocks noGrp="1"/>
           </p:cNvSpPr>
@@ -3799,7 +3799,7 @@
       </p:grpSpPr>
       <p:sp>
         <p:nvSpPr>
-          <p:cNvPr id="1526357378" name="Title 1"/>
+          <p:cNvPr id="221137681" name="Title 1"/>
           <p:cNvSpPr>
             <a:spLocks noGrp="1"/>
           </p:cNvSpPr>
@@ -3834,7 +3834,7 @@
       </p:sp>
       <p:sp>
         <p:nvSpPr>
-          <p:cNvPr id="1630995123" name="Content Placeholder 2"/>
+          <p:cNvPr id="333715520" name="Content Placeholder 2"/>
           <p:cNvSpPr>
             <a:spLocks noGrp="1"/>
           </p:cNvSpPr>
@@ -3933,7 +3933,7 @@
       </p:sp>
       <p:sp>
         <p:nvSpPr>
-          <p:cNvPr id="1010043434" name="Text Placeholder 3"/>
+          <p:cNvPr id="552484781" name="Text Placeholder 3"/>
           <p:cNvSpPr>
             <a:spLocks noGrp="1"/>
           </p:cNvSpPr>
@@ -4001,7 +4001,7 @@
       </p:sp>
       <p:sp>
         <p:nvSpPr>
-          <p:cNvPr id="1867486523" name="Date Placeholder 4"/>
+          <p:cNvPr id="672847814" name="Date Placeholder 4"/>
           <p:cNvSpPr>
             <a:spLocks noGrp="1"/>
           </p:cNvSpPr>
@@ -4027,7 +4027,7 @@
       </p:sp>
       <p:sp>
         <p:nvSpPr>
-          <p:cNvPr id="1001275656" name="Footer Placeholder 5"/>
+          <p:cNvPr id="1732572764" name="Footer Placeholder 5"/>
           <p:cNvSpPr>
             <a:spLocks noGrp="1"/>
           </p:cNvSpPr>
@@ -4049,7 +4049,7 @@
       </p:sp>
       <p:sp>
         <p:nvSpPr>
-          <p:cNvPr id="810547468" name="Slide Number Placeholder 6"/>
+          <p:cNvPr id="1371699499" name="Slide Number Placeholder 6"/>
           <p:cNvSpPr>
             <a:spLocks noGrp="1"/>
           </p:cNvSpPr>
@@ -4100,7 +4100,7 @@
       </p:grpSpPr>
       <p:sp>
         <p:nvSpPr>
-          <p:cNvPr id="1456825222" name="Title 1"/>
+          <p:cNvPr id="672575449" name="Title 1"/>
           <p:cNvSpPr>
             <a:spLocks noGrp="1"/>
           </p:cNvSpPr>
@@ -4135,7 +4135,7 @@
       </p:sp>
       <p:sp>
         <p:nvSpPr>
-          <p:cNvPr id="706551052" name="Picture Placeholder 2"/>
+          <p:cNvPr id="1899397220" name="Picture Placeholder 2"/>
           <p:cNvSpPr>
             <a:spLocks noGrp="1"/>
           </p:cNvSpPr>
@@ -4199,7 +4199,7 @@
       </p:sp>
       <p:sp>
         <p:nvSpPr>
-          <p:cNvPr id="2028212462" name="Text Placeholder 3"/>
+          <p:cNvPr id="1518554366" name="Text Placeholder 3"/>
           <p:cNvSpPr>
             <a:spLocks noGrp="1"/>
           </p:cNvSpPr>
@@ -4267,7 +4267,7 @@
       </p:sp>
       <p:sp>
         <p:nvSpPr>
-          <p:cNvPr id="429416272" name="Date Placeholder 4"/>
+          <p:cNvPr id="207357712" name="Date Placeholder 4"/>
           <p:cNvSpPr>
             <a:spLocks noGrp="1"/>
           </p:cNvSpPr>
@@ -4293,7 +4293,7 @@
       </p:sp>
       <p:sp>
         <p:nvSpPr>
-          <p:cNvPr id="1601114962" name="Footer Placeholder 5"/>
+          <p:cNvPr id="1418321640" name="Footer Placeholder 5"/>
           <p:cNvSpPr>
             <a:spLocks noGrp="1"/>
           </p:cNvSpPr>
@@ -4315,7 +4315,7 @@
       </p:sp>
       <p:sp>
         <p:nvSpPr>
-          <p:cNvPr id="192516568" name="Slide Number Placeholder 6"/>
+          <p:cNvPr id="1880138715" name="Slide Number Placeholder 6"/>
           <p:cNvSpPr>
             <a:spLocks noGrp="1"/>
           </p:cNvSpPr>
@@ -4371,7 +4371,7 @@
       </p:grpSpPr>
       <p:sp>
         <p:nvSpPr>
-          <p:cNvPr id="418866462" name="Title Placeholder 1"/>
+          <p:cNvPr id="91238711" name="Title Placeholder 1"/>
           <p:cNvSpPr>
             <a:spLocks noGrp="1"/>
           </p:cNvSpPr>
@@ -4407,7 +4407,7 @@
       </p:sp>
       <p:sp>
         <p:nvSpPr>
-          <p:cNvPr id="1334697520" name="Text Placeholder 2"/>
+          <p:cNvPr id="586561606" name="Text Placeholder 2"/>
           <p:cNvSpPr>
             <a:spLocks noGrp="1"/>
           </p:cNvSpPr>
@@ -4483,7 +4483,7 @@
       </p:sp>
       <p:sp>
         <p:nvSpPr>
-          <p:cNvPr id="141730445" name="Date Placeholder 3"/>
+          <p:cNvPr id="1961389622" name="Date Placeholder 3"/>
           <p:cNvSpPr>
             <a:spLocks noGrp="1"/>
           </p:cNvSpPr>
@@ -4527,7 +4527,7 @@
       </p:sp>
       <p:sp>
         <p:nvSpPr>
-          <p:cNvPr id="50752894" name="Footer Placeholder 4"/>
+          <p:cNvPr id="1625622157" name="Footer Placeholder 4"/>
           <p:cNvSpPr>
             <a:spLocks noGrp="1"/>
           </p:cNvSpPr>
@@ -4567,7 +4567,7 @@
       </p:sp>
       <p:sp>
         <p:nvSpPr>
-          <p:cNvPr id="244697062" name="Slide Number Placeholder 5"/>
+          <p:cNvPr id="453652962" name="Slide Number Placeholder 5"/>
           <p:cNvSpPr>
             <a:spLocks noGrp="1"/>
           </p:cNvSpPr>
@@ -4934,7 +4934,7 @@
       </p:grpSpPr>
       <p:sp>
         <p:nvSpPr>
-          <p:cNvPr id="1457467099" name="Title 1"/>
+          <p:cNvPr id="1400179598" name="Title 1"/>
           <p:cNvSpPr>
             <a:spLocks noGrp="1"/>
           </p:cNvSpPr>
@@ -4969,7 +4969,7 @@
       </p:sp>
       <p:sp>
         <p:nvSpPr>
-          <p:cNvPr id="578791492" name="Subtitle 2"/>
+          <p:cNvPr id="232917383" name="Subtitle 2"/>
           <p:cNvSpPr>
             <a:spLocks noGrp="1"/>
           </p:cNvSpPr>
@@ -5140,7 +5140,7 @@
       </p:sp>
       <p:pic>
         <p:nvPicPr>
-          <p:cNvPr id="906120486" name="Picture 3"/>
+          <p:cNvPr id="610685636" name="Picture 3"/>
           <p:cNvPicPr>
             <a:picLocks noChangeAspect="1"/>
           </p:cNvPicPr>
@@ -5202,7 +5202,7 @@
       </p:grpSpPr>
       <p:sp>
         <p:nvSpPr>
-          <p:cNvPr id="1104771591" name="Title 1"/>
+          <p:cNvPr id="662301923" name="Title 1"/>
           <p:cNvSpPr>
             <a:spLocks noGrp="1"/>
           </p:cNvSpPr>
@@ -5242,7 +5242,7 @@
       </p:sp>
       <p:sp>
         <p:nvSpPr>
-          <p:cNvPr id="281865784" name="Content Placeholder 2"/>
+          <p:cNvPr id="1539840702" name="Content Placeholder 2"/>
           <p:cNvSpPr>
             <a:spLocks noGrp="1"/>
           </p:cNvSpPr>
@@ -5547,7 +5547,7 @@
       </p:sp>
       <p:pic>
         <p:nvPicPr>
-          <p:cNvPr id="1217466957" name="Picture 3"/>
+          <p:cNvPr id="692334425" name="Picture 3"/>
           <p:cNvPicPr>
             <a:picLocks noChangeAspect="1"/>
           </p:cNvPicPr>
@@ -5609,7 +5609,7 @@
       </p:grpSpPr>
       <p:sp>
         <p:nvSpPr>
-          <p:cNvPr id="101372553" name="Title 1"/>
+          <p:cNvPr id="14120183" name="Title 1"/>
           <p:cNvSpPr>
             <a:spLocks noGrp="1"/>
           </p:cNvSpPr>
@@ -5649,7 +5649,7 @@
       </p:sp>
       <p:sp>
         <p:nvSpPr>
-          <p:cNvPr id="655361767" name="Content Placeholder 2"/>
+          <p:cNvPr id="1379967353" name="Content Placeholder 2"/>
           <p:cNvSpPr>
             <a:spLocks noGrp="1"/>
           </p:cNvSpPr>
@@ -5906,7 +5906,7 @@
       </p:sp>
       <p:pic>
         <p:nvPicPr>
-          <p:cNvPr id="348816084" name="Picture 3"/>
+          <p:cNvPr id="1024338132" name="Picture 3"/>
           <p:cNvPicPr>
             <a:picLocks noChangeAspect="1"/>
           </p:cNvPicPr>
@@ -5928,7 +5928,7 @@
       </p:pic>
       <p:pic>
         <p:nvPicPr>
-          <p:cNvPr id="240738507" name=""/>
+          <p:cNvPr id="575477977" name=""/>
           <p:cNvPicPr>
             <a:picLocks noChangeAspect="1"/>
           </p:cNvPicPr>
@@ -5950,7 +5950,7 @@
       </p:pic>
       <p:pic>
         <p:nvPicPr>
-          <p:cNvPr id="439553459" name=""/>
+          <p:cNvPr id="2087708091" name=""/>
           <p:cNvPicPr>
             <a:picLocks noChangeAspect="1"/>
           </p:cNvPicPr>
@@ -5972,7 +5972,7 @@
       </p:pic>
       <p:sp>
         <p:nvSpPr>
-          <p:cNvPr id="2047975661" name=""/>
+          <p:cNvPr id="1453926853" name=""/>
           <p:cNvSpPr/>
           <p:nvPr/>
         </p:nvSpPr>
@@ -6048,7 +6048,7 @@
       </p:grpSpPr>
       <p:sp>
         <p:nvSpPr>
-          <p:cNvPr id="2003024437" name="Title 1"/>
+          <p:cNvPr id="31843597" name="Title 1"/>
           <p:cNvSpPr>
             <a:spLocks noGrp="1"/>
           </p:cNvSpPr>
@@ -6088,7 +6088,7 @@
       </p:sp>
       <p:sp>
         <p:nvSpPr>
-          <p:cNvPr id="2100927948" name="Content Placeholder 2"/>
+          <p:cNvPr id="1338512102" name="Content Placeholder 2"/>
           <p:cNvSpPr>
             <a:spLocks noGrp="1"/>
           </p:cNvSpPr>
@@ -6382,7 +6382,7 @@
       </p:sp>
       <p:pic>
         <p:nvPicPr>
-          <p:cNvPr id="907997394" name="Picture 3"/>
+          <p:cNvPr id="1433262692" name="Picture 3"/>
           <p:cNvPicPr>
             <a:picLocks noChangeAspect="1"/>
           </p:cNvPicPr>
@@ -6444,7 +6444,7 @@
       </p:grpSpPr>
       <p:sp>
         <p:nvSpPr>
-          <p:cNvPr id="139726885" name="Title 1"/>
+          <p:cNvPr id="844834430" name="Title 1"/>
           <p:cNvSpPr>
             <a:spLocks noGrp="1"/>
           </p:cNvSpPr>
@@ -6484,7 +6484,7 @@
       </p:sp>
       <p:sp>
         <p:nvSpPr>
-          <p:cNvPr id="1226567098" name="Content Placeholder 2"/>
+          <p:cNvPr id="169521883" name="Content Placeholder 2"/>
           <p:cNvSpPr>
             <a:spLocks noGrp="1"/>
           </p:cNvSpPr>
@@ -6526,7 +6526,7 @@
       </p:sp>
       <p:pic>
         <p:nvPicPr>
-          <p:cNvPr id="1777223043" name="Picture 3"/>
+          <p:cNvPr id="1510957740" name="Picture 3"/>
           <p:cNvPicPr>
             <a:picLocks noChangeAspect="1"/>
           </p:cNvPicPr>
@@ -6548,7 +6548,7 @@
       </p:pic>
       <p:pic>
         <p:nvPicPr>
-          <p:cNvPr id="860501202" name=""/>
+          <p:cNvPr id="962142341" name=""/>
           <p:cNvPicPr>
             <a:picLocks noChangeAspect="1"/>
           </p:cNvPicPr>
@@ -6570,7 +6570,7 @@
       </p:pic>
       <p:sp>
         <p:nvSpPr>
-          <p:cNvPr id="863813375" name=""/>
+          <p:cNvPr id="410565380" name=""/>
           <p:cNvSpPr/>
           <p:nvPr/>
         </p:nvSpPr>
@@ -6648,7 +6648,7 @@
       </p:sp>
       <p:sp>
         <p:nvSpPr>
-          <p:cNvPr id="152992593" name=""/>
+          <p:cNvPr id="198520753" name=""/>
           <p:cNvSpPr/>
           <p:nvPr/>
         </p:nvSpPr>
@@ -6897,7 +6897,7 @@
       </p:grpSpPr>
       <p:sp>
         <p:nvSpPr>
-          <p:cNvPr id="1925956182" name="Title 1"/>
+          <p:cNvPr id="2111040368" name="Title 1"/>
           <p:cNvSpPr>
             <a:spLocks noGrp="1"/>
           </p:cNvSpPr>
@@ -6937,7 +6937,7 @@
       </p:sp>
       <p:sp>
         <p:nvSpPr>
-          <p:cNvPr id="161779706" name="Content Placeholder 2"/>
+          <p:cNvPr id="151849111" name="Content Placeholder 2"/>
           <p:cNvSpPr>
             <a:spLocks noGrp="1"/>
           </p:cNvSpPr>
@@ -6977,7 +6977,7 @@
       </p:sp>
       <p:pic>
         <p:nvPicPr>
-          <p:cNvPr id="974217868" name="Picture 3"/>
+          <p:cNvPr id="609843793" name="Picture 3"/>
           <p:cNvPicPr>
             <a:picLocks noChangeAspect="1"/>
           </p:cNvPicPr>
@@ -6999,7 +6999,7 @@
       </p:pic>
       <p:pic>
         <p:nvPicPr>
-          <p:cNvPr id="1147551222" name=""/>
+          <p:cNvPr id="1509324324" name=""/>
           <p:cNvPicPr>
             <a:picLocks noChangeAspect="1"/>
           </p:cNvPicPr>
@@ -7061,7 +7061,7 @@
       </p:grpSpPr>
       <p:sp>
         <p:nvSpPr>
-          <p:cNvPr id="1243374930" name="Title 1"/>
+          <p:cNvPr id="541338447" name="Title 1"/>
           <p:cNvSpPr>
             <a:spLocks noGrp="1"/>
           </p:cNvSpPr>
@@ -7099,7 +7099,7 @@
       </p:sp>
       <p:sp>
         <p:nvSpPr>
-          <p:cNvPr id="1790954075" name="Content Placeholder 2"/>
+          <p:cNvPr id="108767905" name="Content Placeholder 2"/>
           <p:cNvSpPr>
             <a:spLocks noGrp="1"/>
           </p:cNvSpPr>
@@ -7353,7 +7353,7 @@
       </p:sp>
       <p:pic>
         <p:nvPicPr>
-          <p:cNvPr id="1827353893" name="Picture 3"/>
+          <p:cNvPr id="1780991630" name="Picture 3"/>
           <p:cNvPicPr>
             <a:picLocks noChangeAspect="1"/>
           </p:cNvPicPr>
@@ -7375,7 +7375,7 @@
       </p:pic>
       <p:sp>
         <p:nvSpPr>
-          <p:cNvPr id="583273616" name=""/>
+          <p:cNvPr id="377687655" name=""/>
           <p:cNvSpPr txBox="1"/>
           <p:nvPr/>
         </p:nvSpPr>
@@ -7401,6 +7401,28 @@
           </a:p>
         </p:txBody>
       </p:sp>
+      <p:pic>
+        <p:nvPicPr>
+          <p:cNvPr id="98350379" name=""/>
+          <p:cNvPicPr>
+            <a:picLocks noChangeAspect="1"/>
+          </p:cNvPicPr>
+          <p:nvPr/>
+        </p:nvPicPr>
+        <p:blipFill>
+          <a:blip r:embed="rId4"/>
+          <a:stretch/>
+        </p:blipFill>
+        <p:spPr bwMode="auto">
+          <a:xfrm flipH="0" flipV="0">
+            <a:off x="9063013" y="3854012"/>
+            <a:ext cx="2545290" cy="2800125"/>
+          </a:xfrm>
+          <a:prstGeom prst="rect">
+            <a:avLst/>
+          </a:prstGeom>
+        </p:spPr>
+      </p:pic>
     </p:spTree>
   </p:cSld>
   <p:clrMapOvr>
@@ -7443,7 +7465,7 @@
       </p:grpSpPr>
       <p:sp>
         <p:nvSpPr>
-          <p:cNvPr id="1741961616" name="Title 1"/>
+          <p:cNvPr id="247114665" name="Title 1"/>
           <p:cNvSpPr>
             <a:spLocks noGrp="1"/>
           </p:cNvSpPr>
@@ -7453,7 +7475,7 @@
         </p:nvSpPr>
         <p:spPr bwMode="auto">
           <a:xfrm>
-            <a:off x="295033" y="42545"/>
+            <a:off x="194067" y="-115344"/>
             <a:ext cx="10515600" cy="1325559"/>
           </a:xfrm>
         </p:spPr>
@@ -7481,7 +7503,7 @@
       </p:sp>
       <p:sp>
         <p:nvSpPr>
-          <p:cNvPr id="81842164" name="Content Placeholder 2"/>
+          <p:cNvPr id="1954743318" name="Content Placeholder 2"/>
           <p:cNvSpPr>
             <a:spLocks noGrp="1"/>
           </p:cNvSpPr>
@@ -7491,8 +7513,8 @@
         </p:nvSpPr>
         <p:spPr bwMode="auto">
           <a:xfrm flipH="0" flipV="0">
-            <a:off x="194068" y="1210214"/>
-            <a:ext cx="11620618" cy="5982711"/>
+            <a:off x="194067" y="962125"/>
+            <a:ext cx="11620617" cy="6230799"/>
           </a:xfrm>
         </p:spPr>
         <p:txBody>
@@ -7932,7 +7954,7 @@
       </p:sp>
       <p:pic>
         <p:nvPicPr>
-          <p:cNvPr id="112082293" name="Picture 3"/>
+          <p:cNvPr id="1930279420" name="Picture 3"/>
           <p:cNvPicPr>
             <a:picLocks noChangeAspect="1"/>
           </p:cNvPicPr>
@@ -7954,7 +7976,7 @@
       </p:pic>
       <p:sp>
         <p:nvSpPr>
-          <p:cNvPr id="1755828834" name=""/>
+          <p:cNvPr id="1971758908" name=""/>
           <p:cNvSpPr txBox="1"/>
           <p:nvPr/>
         </p:nvSpPr>
@@ -7976,6 +7998,81 @@
             <a:pPr algn="l">
               <a:defRPr/>
             </a:pPr>
+            <a:endParaRPr/>
+          </a:p>
+        </p:txBody>
+      </p:sp>
+      <p:sp>
+        <p:nvSpPr>
+          <p:cNvPr id="1568725555" name=""/>
+          <p:cNvSpPr txBox="1"/>
+          <p:nvPr/>
+        </p:nvSpPr>
+        <p:spPr bwMode="auto">
+          <a:xfrm flipH="0" flipV="0">
+            <a:off x="703450" y="6441890"/>
+            <a:ext cx="2862434" cy="365759"/>
+          </a:xfrm>
+          <a:prstGeom prst="rect">
+            <a:avLst/>
+          </a:prstGeom>
+          <a:noFill/>
+        </p:spPr>
+        <p:txBody>
+          <a:bodyPr vertOverflow="overflow" horzOverflow="overflow" vert="horz" wrap="square" lIns="91440" tIns="45720" rIns="91440" bIns="45720" numCol="1" spcCol="0" rtlCol="0" fromWordArt="0" anchor="t" anchorCtr="0" forceAA="0" upright="0" compatLnSpc="0">
+            <a:spAutoFit/>
+          </a:bodyPr>
+          <a:p>
+            <a:pPr algn="l">
+              <a:defRPr/>
+            </a:pPr>
+            <a:r>
+              <a:rPr b="0" i="0" u="none">
+                <a:solidFill>
+                  <a:schemeClr val="bg1"/>
+                </a:solidFill>
+                <a:latin typeface="Times New Roman"/>
+                <a:ea typeface="Times New Roman"/>
+                <a:cs typeface="Times New Roman"/>
+              </a:rPr>
+              <a:t>Lesson Code – GitHub URL:</a:t>
+            </a:r>
+            <a:endParaRPr/>
+          </a:p>
+        </p:txBody>
+      </p:sp>
+      <p:sp>
+        <p:nvSpPr>
+          <p:cNvPr id="950891849" name=""/>
+          <p:cNvSpPr txBox="1"/>
+          <p:nvPr/>
+        </p:nvSpPr>
+        <p:spPr bwMode="auto">
+          <a:xfrm flipH="0" flipV="0">
+            <a:off x="4399173" y="5892890"/>
+            <a:ext cx="7204906" cy="914760"/>
+          </a:xfrm>
+          <a:prstGeom prst="rect">
+            <a:avLst/>
+          </a:prstGeom>
+          <a:noFill/>
+        </p:spPr>
+        <p:txBody>
+          <a:bodyPr vertOverflow="overflow" horzOverflow="overflow" vert="horz" wrap="square" lIns="91440" tIns="45720" rIns="91440" bIns="45720" numCol="1" spcCol="0" rtlCol="0" fromWordArt="0" anchor="t" anchorCtr="0" forceAA="0" upright="0" compatLnSpc="0">
+            <a:spAutoFit/>
+          </a:bodyPr>
+          <a:p>
+            <a:pPr algn="l">
+              <a:defRPr/>
+            </a:pPr>
+            <a:r>
+              <a:rPr>
+                <a:solidFill>
+                  <a:schemeClr val="bg1"/>
+                </a:solidFill>
+              </a:rPr>
+              <a:t>https://github.com/info-zas/zas-robotics-car-3-encoders-imu-gps/tree/main/01_FoundationProjects/09_Car-3_MPU6050_Accelerometer_Caliberation</a:t>
+            </a:r>
             <a:endParaRPr/>
           </a:p>
         </p:txBody>
@@ -8022,7 +8119,7 @@
       </p:grpSpPr>
       <p:sp>
         <p:nvSpPr>
-          <p:cNvPr id="596981275" name="Title 1"/>
+          <p:cNvPr id="938695084" name="Title 1"/>
           <p:cNvSpPr>
             <a:spLocks noGrp="1"/>
           </p:cNvSpPr>
@@ -8057,7 +8154,7 @@
       </p:sp>
       <p:sp>
         <p:nvSpPr>
-          <p:cNvPr id="385228801" name="Content Placeholder 2"/>
+          <p:cNvPr id="1242440714" name="Content Placeholder 2"/>
           <p:cNvSpPr>
             <a:spLocks noGrp="1"/>
           </p:cNvSpPr>
@@ -8139,7 +8236,7 @@
       </p:sp>
       <p:pic>
         <p:nvPicPr>
-          <p:cNvPr id="2067297052" name="Picture 3"/>
+          <p:cNvPr id="86076128" name="Picture 3"/>
           <p:cNvPicPr>
             <a:picLocks noChangeAspect="1"/>
           </p:cNvPicPr>
@@ -8201,7 +8298,7 @@
       </p:grpSpPr>
       <p:sp>
         <p:nvSpPr>
-          <p:cNvPr id="1031537459" name="Title 1"/>
+          <p:cNvPr id="2132888747" name="Title 1"/>
           <p:cNvSpPr>
             <a:spLocks noGrp="1"/>
           </p:cNvSpPr>
@@ -8241,7 +8338,7 @@
       </p:sp>
       <p:sp>
         <p:nvSpPr>
-          <p:cNvPr id="2009583942" name="Content Placeholder 2"/>
+          <p:cNvPr id="427463961" name="Content Placeholder 2"/>
           <p:cNvSpPr>
             <a:spLocks noGrp="1"/>
           </p:cNvSpPr>
@@ -8525,7 +8622,7 @@
       </p:sp>
       <p:pic>
         <p:nvPicPr>
-          <p:cNvPr id="969921642" name="Picture 3"/>
+          <p:cNvPr id="269636607" name="Picture 3"/>
           <p:cNvPicPr>
             <a:picLocks noChangeAspect="1"/>
           </p:cNvPicPr>
@@ -8587,7 +8684,7 @@
       </p:grpSpPr>
       <p:sp>
         <p:nvSpPr>
-          <p:cNvPr id="827074047" name="Title 1"/>
+          <p:cNvPr id="2064732626" name="Title 1"/>
           <p:cNvSpPr>
             <a:spLocks noGrp="1"/>
           </p:cNvSpPr>
@@ -8627,7 +8724,7 @@
       </p:sp>
       <p:sp>
         <p:nvSpPr>
-          <p:cNvPr id="1953086146" name="Content Placeholder 2"/>
+          <p:cNvPr id="1980639073" name="Content Placeholder 2"/>
           <p:cNvSpPr>
             <a:spLocks noGrp="1"/>
           </p:cNvSpPr>
@@ -8706,7 +8803,7 @@
       </p:sp>
       <p:pic>
         <p:nvPicPr>
-          <p:cNvPr id="1394044017" name="Picture 3"/>
+          <p:cNvPr id="457119058" name="Picture 3"/>
           <p:cNvPicPr>
             <a:picLocks noChangeAspect="1"/>
           </p:cNvPicPr>
@@ -8728,7 +8825,7 @@
       </p:pic>
       <p:pic>
         <p:nvPicPr>
-          <p:cNvPr id="1921808809" name=""/>
+          <p:cNvPr id="1601383706" name=""/>
           <p:cNvPicPr>
             <a:picLocks noChangeAspect="1"/>
           </p:cNvPicPr>
@@ -8790,7 +8887,7 @@
       </p:grpSpPr>
       <p:sp>
         <p:nvSpPr>
-          <p:cNvPr id="1351469418" name="Title 1"/>
+          <p:cNvPr id="449381343" name="Title 1"/>
           <p:cNvSpPr>
             <a:spLocks noGrp="1"/>
           </p:cNvSpPr>
@@ -8830,7 +8927,7 @@
       </p:sp>
       <p:sp>
         <p:nvSpPr>
-          <p:cNvPr id="1196970243" name="Content Placeholder 2"/>
+          <p:cNvPr id="199902411" name="Content Placeholder 2"/>
           <p:cNvSpPr>
             <a:spLocks noGrp="1"/>
           </p:cNvSpPr>
@@ -9104,7 +9201,7 @@
       </p:sp>
       <p:pic>
         <p:nvPicPr>
-          <p:cNvPr id="1330676255" name="Picture 3"/>
+          <p:cNvPr id="666304651" name="Picture 3"/>
           <p:cNvPicPr>
             <a:picLocks noChangeAspect="1"/>
           </p:cNvPicPr>
@@ -9166,7 +9263,7 @@
       </p:grpSpPr>
       <p:sp>
         <p:nvSpPr>
-          <p:cNvPr id="697488805" name="Title 1"/>
+          <p:cNvPr id="187024053" name="Title 1"/>
           <p:cNvSpPr>
             <a:spLocks noGrp="1"/>
           </p:cNvSpPr>
@@ -9206,7 +9303,7 @@
       </p:sp>
       <p:sp>
         <p:nvSpPr>
-          <p:cNvPr id="1996313981" name="Content Placeholder 2"/>
+          <p:cNvPr id="1634823884" name="Content Placeholder 2"/>
           <p:cNvSpPr>
             <a:spLocks noGrp="1"/>
           </p:cNvSpPr>
@@ -9424,7 +9521,7 @@
       </p:sp>
       <p:pic>
         <p:nvPicPr>
-          <p:cNvPr id="1543757621" name="Picture 3"/>
+          <p:cNvPr id="2031932815" name="Picture 3"/>
           <p:cNvPicPr>
             <a:picLocks noChangeAspect="1"/>
           </p:cNvPicPr>
@@ -9486,7 +9583,7 @@
       </p:grpSpPr>
       <p:sp>
         <p:nvSpPr>
-          <p:cNvPr id="1264545493" name="Title 1"/>
+          <p:cNvPr id="1141419216" name="Title 1"/>
           <p:cNvSpPr>
             <a:spLocks noGrp="1"/>
           </p:cNvSpPr>
@@ -9526,7 +9623,7 @@
       </p:sp>
       <p:sp>
         <p:nvSpPr>
-          <p:cNvPr id="509189957" name="Content Placeholder 2"/>
+          <p:cNvPr id="554420516" name="Content Placeholder 2"/>
           <p:cNvSpPr>
             <a:spLocks noGrp="1"/>
           </p:cNvSpPr>
@@ -9802,7 +9899,7 @@
       </p:sp>
       <p:pic>
         <p:nvPicPr>
-          <p:cNvPr id="522824445" name="Picture 3"/>
+          <p:cNvPr id="756378287" name="Picture 3"/>
           <p:cNvPicPr>
             <a:picLocks noChangeAspect="1"/>
           </p:cNvPicPr>
@@ -9864,7 +9961,7 @@
       </p:grpSpPr>
       <p:sp>
         <p:nvSpPr>
-          <p:cNvPr id="1005776410" name="Title 1"/>
+          <p:cNvPr id="1496976889" name="Title 1"/>
           <p:cNvSpPr>
             <a:spLocks noGrp="1"/>
           </p:cNvSpPr>
@@ -9904,7 +10001,7 @@
       </p:sp>
       <p:sp>
         <p:nvSpPr>
-          <p:cNvPr id="673378138" name="Content Placeholder 2"/>
+          <p:cNvPr id="1110046847" name="Content Placeholder 2"/>
           <p:cNvSpPr>
             <a:spLocks noGrp="1"/>
           </p:cNvSpPr>
@@ -10126,7 +10223,7 @@
       </p:sp>
       <p:pic>
         <p:nvPicPr>
-          <p:cNvPr id="1836243896" name="Picture 3"/>
+          <p:cNvPr id="1164511722" name="Picture 3"/>
           <p:cNvPicPr>
             <a:picLocks noChangeAspect="1"/>
           </p:cNvPicPr>
@@ -10148,7 +10245,7 @@
       </p:pic>
       <p:sp>
         <p:nvSpPr>
-          <p:cNvPr id="1975346884" name=""/>
+          <p:cNvPr id="504453917" name=""/>
           <p:cNvSpPr/>
           <p:nvPr/>
         </p:nvSpPr>
@@ -10385,7 +10482,7 @@
       </p:sp>
       <p:pic>
         <p:nvPicPr>
-          <p:cNvPr id="434357983" name=""/>
+          <p:cNvPr id="175573419" name=""/>
           <p:cNvPicPr>
             <a:picLocks noChangeAspect="1"/>
           </p:cNvPicPr>
@@ -10447,7 +10544,7 @@
       </p:grpSpPr>
       <p:sp>
         <p:nvSpPr>
-          <p:cNvPr id="827553467" name="Title 1"/>
+          <p:cNvPr id="715508778" name="Title 1"/>
           <p:cNvSpPr>
             <a:spLocks noGrp="1"/>
           </p:cNvSpPr>
@@ -10487,7 +10584,7 @@
       </p:sp>
       <p:sp>
         <p:nvSpPr>
-          <p:cNvPr id="263464219" name="Content Placeholder 2"/>
+          <p:cNvPr id="1798427373" name="Content Placeholder 2"/>
           <p:cNvSpPr>
             <a:spLocks noGrp="1"/>
           </p:cNvSpPr>
@@ -10794,7 +10891,7 @@
       </p:sp>
       <p:pic>
         <p:nvPicPr>
-          <p:cNvPr id="2119687201" name="Picture 3"/>
+          <p:cNvPr id="1726786988" name="Picture 3"/>
           <p:cNvPicPr>
             <a:picLocks noChangeAspect="1"/>
           </p:cNvPicPr>
@@ -10856,7 +10953,7 @@
       </p:grpSpPr>
       <p:sp>
         <p:nvSpPr>
-          <p:cNvPr id="71703624" name="Title 1"/>
+          <p:cNvPr id="1019684426" name="Title 1"/>
           <p:cNvSpPr>
             <a:spLocks noGrp="1"/>
           </p:cNvSpPr>
@@ -10896,7 +10993,7 @@
       </p:sp>
       <p:sp>
         <p:nvSpPr>
-          <p:cNvPr id="52439077" name="Content Placeholder 2"/>
+          <p:cNvPr id="299688665" name="Content Placeholder 2"/>
           <p:cNvSpPr>
             <a:spLocks noGrp="1"/>
           </p:cNvSpPr>
@@ -11140,7 +11237,7 @@
       </p:sp>
       <p:pic>
         <p:nvPicPr>
-          <p:cNvPr id="626023006" name="Picture 3"/>
+          <p:cNvPr id="18825094" name="Picture 3"/>
           <p:cNvPicPr>
             <a:picLocks noChangeAspect="1"/>
           </p:cNvPicPr>
